--- a/ppt/daily101깃허브문서작업용ppt파일.pptx
+++ b/ppt/daily101깃허브문서작업용ppt파일.pptx
@@ -109,7 +109,12 @@
   <p:extLst>
     <p:ext uri="{EFAFB233-063F-42B5-8137-9DF3F51BA10A}">
       <p15:sldGuideLst xmlns:p15="http://schemas.microsoft.com/office/powerpoint/2012/main">
-        <p15:guide id="1" orient="horz" pos="2160" userDrawn="1">
+        <p15:guide id="1" orient="horz" pos="2183" userDrawn="1">
+          <p15:clr>
+            <a:srgbClr val="A4A3A4"/>
+          </p15:clr>
+        </p15:guide>
+        <p15:guide id="2" pos="3840">
           <p15:clr>
             <a:srgbClr val="A4A3A4"/>
           </p15:clr>
@@ -3438,10 +3443,10 @@
       </p:grpSpPr>
       <p:grpSp>
         <p:nvGrpSpPr>
-          <p:cNvPr id="36" name="그룹 35">
+          <p:cNvPr id="34" name="그룹 33">
             <a:extLst>
               <a:ext uri="{FF2B5EF4-FFF2-40B4-BE49-F238E27FC236}">
-                <a16:creationId xmlns:a16="http://schemas.microsoft.com/office/drawing/2014/main" id="{ADDA2D5B-1250-4F8B-985E-8AAA730E1353}"/>
+                <a16:creationId xmlns:a16="http://schemas.microsoft.com/office/drawing/2014/main" id="{CAC5FE94-FB83-4D32-98BE-6F06546F25BB}"/>
               </a:ext>
             </a:extLst>
           </p:cNvPr>
@@ -3450,18 +3455,18 @@
         </p:nvGrpSpPr>
         <p:grpSpPr>
           <a:xfrm>
-            <a:off x="697499" y="724056"/>
-            <a:ext cx="10735692" cy="4257101"/>
-            <a:chOff x="697499" y="724056"/>
-            <a:chExt cx="10735692" cy="4257101"/>
+            <a:off x="2550219" y="3182194"/>
+            <a:ext cx="7030253" cy="1798963"/>
+            <a:chOff x="2521020" y="3182194"/>
+            <a:chExt cx="7030253" cy="1798963"/>
           </a:xfrm>
         </p:grpSpPr>
         <p:grpSp>
           <p:nvGrpSpPr>
-            <p:cNvPr id="34" name="그룹 33">
+            <p:cNvPr id="30" name="그룹 29">
               <a:extLst>
                 <a:ext uri="{FF2B5EF4-FFF2-40B4-BE49-F238E27FC236}">
-                  <a16:creationId xmlns:a16="http://schemas.microsoft.com/office/drawing/2014/main" id="{CAC5FE94-FB83-4D32-98BE-6F06546F25BB}"/>
+                  <a16:creationId xmlns:a16="http://schemas.microsoft.com/office/drawing/2014/main" id="{4A92A46E-5591-4F08-8F2A-D377D2BC504C}"/>
                 </a:ext>
               </a:extLst>
             </p:cNvPr>
@@ -3470,18 +3475,68 @@
           </p:nvGrpSpPr>
           <p:grpSpPr>
             <a:xfrm>
-              <a:off x="2550219" y="3182194"/>
-              <a:ext cx="7030253" cy="1798963"/>
-              <a:chOff x="2521020" y="3182194"/>
-              <a:chExt cx="7030253" cy="1798963"/>
+              <a:off x="2521020" y="3182194"/>
+              <a:ext cx="3117251" cy="1798963"/>
+              <a:chOff x="2256124" y="4334981"/>
+              <a:chExt cx="3117251" cy="1798963"/>
             </a:xfrm>
           </p:grpSpPr>
+          <p:sp>
+            <p:nvSpPr>
+              <p:cNvPr id="28" name="직사각형 27">
+                <a:extLst>
+                  <a:ext uri="{FF2B5EF4-FFF2-40B4-BE49-F238E27FC236}">
+                    <a16:creationId xmlns:a16="http://schemas.microsoft.com/office/drawing/2014/main" id="{CFF46434-FE64-4DC0-ABD2-DD14363BBEB3}"/>
+                  </a:ext>
+                </a:extLst>
+              </p:cNvPr>
+              <p:cNvSpPr/>
+              <p:nvPr/>
+            </p:nvSpPr>
+            <p:spPr>
+              <a:xfrm>
+                <a:off x="2256124" y="4572123"/>
+                <a:ext cx="3117251" cy="1561821"/>
+              </a:xfrm>
+              <a:prstGeom prst="rect">
+                <a:avLst/>
+              </a:prstGeom>
+              <a:solidFill>
+                <a:schemeClr val="bg1"/>
+              </a:solidFill>
+              <a:ln w="28575"/>
+            </p:spPr>
+            <p:style>
+              <a:lnRef idx="2">
+                <a:schemeClr val="accent1">
+                  <a:shade val="50000"/>
+                </a:schemeClr>
+              </a:lnRef>
+              <a:fillRef idx="1">
+                <a:schemeClr val="accent1"/>
+              </a:fillRef>
+              <a:effectRef idx="0">
+                <a:schemeClr val="accent1"/>
+              </a:effectRef>
+              <a:fontRef idx="minor">
+                <a:schemeClr val="lt1"/>
+              </a:fontRef>
+            </p:style>
+            <p:txBody>
+              <a:bodyPr rtlCol="0" anchor="ctr"/>
+              <a:lstStyle/>
+              <a:p>
+                <a:pPr algn="ctr"/>
+                <a:endParaRPr lang="ko-KR" altLang="en-US"/>
+              </a:p>
+            </p:txBody>
+          </p:sp>
           <p:grpSp>
             <p:nvGrpSpPr>
-              <p:cNvPr id="30" name="그룹 29">
+              <p:cNvPr id="20" name="그룹 19">
                 <a:extLst>
                   <a:ext uri="{FF2B5EF4-FFF2-40B4-BE49-F238E27FC236}">
-                    <a16:creationId xmlns:a16="http://schemas.microsoft.com/office/drawing/2014/main" id="{4A92A46E-5591-4F08-8F2A-D377D2BC504C}"/>
+                    <a16:creationId xmlns:a16="http://schemas.microsoft.com/office/drawing/2014/main" id="{D59393E0-A909-4B2C-AC61-59365ACA7ECC}"/>
                   </a:ext>
                 </a:extLst>
               </p:cNvPr>
@@ -3490,941 +3545,19 @@
             </p:nvGrpSpPr>
             <p:grpSpPr>
               <a:xfrm>
-                <a:off x="2521020" y="3182194"/>
-                <a:ext cx="3117251" cy="1798963"/>
-                <a:chOff x="2256124" y="4334981"/>
-                <a:chExt cx="3117251" cy="1798963"/>
+                <a:off x="2829498" y="4884373"/>
+                <a:ext cx="1970502" cy="1161844"/>
+                <a:chOff x="7514230" y="1757350"/>
+                <a:chExt cx="1970502" cy="1161844"/>
               </a:xfrm>
             </p:grpSpPr>
-            <p:sp>
-              <p:nvSpPr>
-                <p:cNvPr id="28" name="직사각형 27">
+            <p:pic>
+              <p:nvPicPr>
+                <p:cNvPr id="8" name="그림 7">
+                  <a:hlinkClick r:id="rId2"/>
                   <a:extLst>
                     <a:ext uri="{FF2B5EF4-FFF2-40B4-BE49-F238E27FC236}">
-                      <a16:creationId xmlns:a16="http://schemas.microsoft.com/office/drawing/2014/main" id="{CFF46434-FE64-4DC0-ABD2-DD14363BBEB3}"/>
-                    </a:ext>
-                  </a:extLst>
-                </p:cNvPr>
-                <p:cNvSpPr/>
-                <p:nvPr/>
-              </p:nvSpPr>
-              <p:spPr>
-                <a:xfrm>
-                  <a:off x="2256124" y="4572123"/>
-                  <a:ext cx="3117251" cy="1561821"/>
-                </a:xfrm>
-                <a:prstGeom prst="rect">
-                  <a:avLst/>
-                </a:prstGeom>
-                <a:solidFill>
-                  <a:schemeClr val="bg1"/>
-                </a:solidFill>
-                <a:ln w="28575"/>
-              </p:spPr>
-              <p:style>
-                <a:lnRef idx="2">
-                  <a:schemeClr val="accent1">
-                    <a:shade val="50000"/>
-                  </a:schemeClr>
-                </a:lnRef>
-                <a:fillRef idx="1">
-                  <a:schemeClr val="accent1"/>
-                </a:fillRef>
-                <a:effectRef idx="0">
-                  <a:schemeClr val="accent1"/>
-                </a:effectRef>
-                <a:fontRef idx="minor">
-                  <a:schemeClr val="lt1"/>
-                </a:fontRef>
-              </p:style>
-              <p:txBody>
-                <a:bodyPr rtlCol="0" anchor="ctr"/>
-                <a:lstStyle/>
-                <a:p>
-                  <a:pPr algn="ctr"/>
-                  <a:endParaRPr lang="ko-KR" altLang="en-US"/>
-                </a:p>
-              </p:txBody>
-            </p:sp>
-            <p:grpSp>
-              <p:nvGrpSpPr>
-                <p:cNvPr id="20" name="그룹 19">
-                  <a:extLst>
-                    <a:ext uri="{FF2B5EF4-FFF2-40B4-BE49-F238E27FC236}">
-                      <a16:creationId xmlns:a16="http://schemas.microsoft.com/office/drawing/2014/main" id="{D59393E0-A909-4B2C-AC61-59365ACA7ECC}"/>
-                    </a:ext>
-                  </a:extLst>
-                </p:cNvPr>
-                <p:cNvGrpSpPr/>
-                <p:nvPr/>
-              </p:nvGrpSpPr>
-              <p:grpSpPr>
-                <a:xfrm>
-                  <a:off x="2829498" y="4884373"/>
-                  <a:ext cx="1970502" cy="1161844"/>
-                  <a:chOff x="7514230" y="1757350"/>
-                  <a:chExt cx="1970502" cy="1161844"/>
-                </a:xfrm>
-              </p:grpSpPr>
-              <p:pic>
-                <p:nvPicPr>
-                  <p:cNvPr id="8" name="그림 7">
-                    <a:hlinkClick r:id="rId2"/>
-                    <a:extLst>
-                      <a:ext uri="{FF2B5EF4-FFF2-40B4-BE49-F238E27FC236}">
-                        <a16:creationId xmlns:a16="http://schemas.microsoft.com/office/drawing/2014/main" id="{B15127D6-2192-4341-86DA-97F88DBD8D43}"/>
-                      </a:ext>
-                    </a:extLst>
-                  </p:cNvPr>
-                  <p:cNvPicPr>
-                    <a:picLocks noChangeAspect="1"/>
-                  </p:cNvPicPr>
-                  <p:nvPr/>
-                </p:nvPicPr>
-                <p:blipFill>
-                  <a:blip r:embed="rId3"/>
-                  <a:stretch>
-                    <a:fillRect/>
-                  </a:stretch>
-                </p:blipFill>
-                <p:spPr>
-                  <a:xfrm>
-                    <a:off x="7514230" y="2370770"/>
-                    <a:ext cx="1970502" cy="548424"/>
-                  </a:xfrm>
-                  <a:prstGeom prst="rect">
-                    <a:avLst/>
-                  </a:prstGeom>
-                </p:spPr>
-              </p:pic>
-              <p:pic>
-                <p:nvPicPr>
-                  <p:cNvPr id="9" name="그림 8">
-                    <a:extLst>
-                      <a:ext uri="{FF2B5EF4-FFF2-40B4-BE49-F238E27FC236}">
-                        <a16:creationId xmlns:a16="http://schemas.microsoft.com/office/drawing/2014/main" id="{CEE0A76E-B142-49DE-8FA3-D89C3D4C39F5}"/>
-                      </a:ext>
-                    </a:extLst>
-                  </p:cNvPr>
-                  <p:cNvPicPr>
-                    <a:picLocks noChangeAspect="1"/>
-                  </p:cNvPicPr>
-                  <p:nvPr/>
-                </p:nvPicPr>
-                <p:blipFill>
-                  <a:blip r:embed="rId4"/>
-                  <a:stretch>
-                    <a:fillRect/>
-                  </a:stretch>
-                </p:blipFill>
-                <p:spPr>
-                  <a:xfrm>
-                    <a:off x="7707685" y="1757350"/>
-                    <a:ext cx="1583592" cy="493733"/>
-                  </a:xfrm>
-                  <a:prstGeom prst="rect">
-                    <a:avLst/>
-                  </a:prstGeom>
-                </p:spPr>
-              </p:pic>
-            </p:grpSp>
-            <p:sp>
-              <p:nvSpPr>
-                <p:cNvPr id="13" name="TextBox 12">
-                  <a:extLst>
-                    <a:ext uri="{FF2B5EF4-FFF2-40B4-BE49-F238E27FC236}">
-                      <a16:creationId xmlns:a16="http://schemas.microsoft.com/office/drawing/2014/main" id="{43AED1CE-4FB4-4053-AE7F-D5E956F6BD49}"/>
-                    </a:ext>
-                  </a:extLst>
-                </p:cNvPr>
-                <p:cNvSpPr txBox="1"/>
-                <p:nvPr/>
-              </p:nvSpPr>
-              <p:spPr>
-                <a:xfrm>
-                  <a:off x="3287201" y="4334981"/>
-                  <a:ext cx="1055097" cy="461665"/>
-                </a:xfrm>
-                <a:prstGeom prst="rect">
-                  <a:avLst/>
-                </a:prstGeom>
-                <a:solidFill>
-                  <a:schemeClr val="bg1"/>
-                </a:solidFill>
-              </p:spPr>
-              <p:txBody>
-                <a:bodyPr wrap="none" rtlCol="0" anchor="ctr">
-                  <a:spAutoFit/>
-                </a:bodyPr>
-                <a:lstStyle/>
-                <a:p>
-                  <a:r>
-                    <a:rPr lang="ko-KR" altLang="en-US" sz="2400" dirty="0">
-                      <a:latin typeface="나눔스퀘어_ac Bold" panose="020B0600000101010101" pitchFamily="50" charset="-127"/>
-                      <a:ea typeface="나눔스퀘어_ac Bold" panose="020B0600000101010101" pitchFamily="50" charset="-127"/>
-                    </a:rPr>
-                    <a:t>협업 툴</a:t>
-                  </a:r>
-                </a:p>
-              </p:txBody>
-            </p:sp>
-          </p:grpSp>
-          <p:grpSp>
-            <p:nvGrpSpPr>
-              <p:cNvPr id="29" name="그룹 28">
-                <a:extLst>
-                  <a:ext uri="{FF2B5EF4-FFF2-40B4-BE49-F238E27FC236}">
-                    <a16:creationId xmlns:a16="http://schemas.microsoft.com/office/drawing/2014/main" id="{583D6CF8-CF6D-47E0-9327-6E4C53F404BD}"/>
-                  </a:ext>
-                </a:extLst>
-              </p:cNvPr>
-              <p:cNvGrpSpPr/>
-              <p:nvPr/>
-            </p:nvGrpSpPr>
-            <p:grpSpPr>
-              <a:xfrm>
-                <a:off x="6434022" y="3189858"/>
-                <a:ext cx="3117251" cy="1783635"/>
-                <a:chOff x="6553729" y="4350309"/>
-                <a:chExt cx="3117251" cy="1783635"/>
-              </a:xfrm>
-            </p:grpSpPr>
-            <p:sp>
-              <p:nvSpPr>
-                <p:cNvPr id="27" name="직사각형 26">
-                  <a:extLst>
-                    <a:ext uri="{FF2B5EF4-FFF2-40B4-BE49-F238E27FC236}">
-                      <a16:creationId xmlns:a16="http://schemas.microsoft.com/office/drawing/2014/main" id="{856202CC-C7F1-4DF4-A3B7-EBA593B02A3B}"/>
-                    </a:ext>
-                  </a:extLst>
-                </p:cNvPr>
-                <p:cNvSpPr/>
-                <p:nvPr/>
-              </p:nvSpPr>
-              <p:spPr>
-                <a:xfrm>
-                  <a:off x="6553729" y="4572123"/>
-                  <a:ext cx="3117251" cy="1561821"/>
-                </a:xfrm>
-                <a:prstGeom prst="rect">
-                  <a:avLst/>
-                </a:prstGeom>
-                <a:solidFill>
-                  <a:schemeClr val="bg1"/>
-                </a:solidFill>
-                <a:ln w="28575"/>
-              </p:spPr>
-              <p:style>
-                <a:lnRef idx="2">
-                  <a:schemeClr val="accent1">
-                    <a:shade val="50000"/>
-                  </a:schemeClr>
-                </a:lnRef>
-                <a:fillRef idx="1">
-                  <a:schemeClr val="accent1"/>
-                </a:fillRef>
-                <a:effectRef idx="0">
-                  <a:schemeClr val="accent1"/>
-                </a:effectRef>
-                <a:fontRef idx="minor">
-                  <a:schemeClr val="lt1"/>
-                </a:fontRef>
-              </p:style>
-              <p:txBody>
-                <a:bodyPr rtlCol="0" anchor="ctr"/>
-                <a:lstStyle/>
-                <a:p>
-                  <a:pPr algn="ctr"/>
-                  <a:endParaRPr lang="ko-KR" altLang="en-US"/>
-                </a:p>
-              </p:txBody>
-            </p:sp>
-            <p:grpSp>
-              <p:nvGrpSpPr>
-                <p:cNvPr id="19" name="그룹 18">
-                  <a:extLst>
-                    <a:ext uri="{FF2B5EF4-FFF2-40B4-BE49-F238E27FC236}">
-                      <a16:creationId xmlns:a16="http://schemas.microsoft.com/office/drawing/2014/main" id="{E256D780-50AF-42B6-8DD6-80FC39BF7DFF}"/>
-                    </a:ext>
-                  </a:extLst>
-                </p:cNvPr>
-                <p:cNvGrpSpPr/>
-                <p:nvPr/>
-              </p:nvGrpSpPr>
-              <p:grpSpPr>
-                <a:xfrm>
-                  <a:off x="7095924" y="4842304"/>
-                  <a:ext cx="2032860" cy="1060809"/>
-                  <a:chOff x="10256244" y="1685692"/>
-                  <a:chExt cx="2032860" cy="1060809"/>
-                </a:xfrm>
-              </p:grpSpPr>
-              <p:pic>
-                <p:nvPicPr>
-                  <p:cNvPr id="6" name="그림 5">
-                    <a:extLst>
-                      <a:ext uri="{FF2B5EF4-FFF2-40B4-BE49-F238E27FC236}">
-                        <a16:creationId xmlns:a16="http://schemas.microsoft.com/office/drawing/2014/main" id="{53018F5D-4FED-4519-A66C-A956FA1BC4E0}"/>
-                      </a:ext>
-                    </a:extLst>
-                  </p:cNvPr>
-                  <p:cNvPicPr>
-                    <a:picLocks noChangeAspect="1"/>
-                  </p:cNvPicPr>
-                  <p:nvPr/>
-                </p:nvPicPr>
-                <p:blipFill>
-                  <a:blip r:embed="rId5">
-                    <a:extLst>
-                      <a:ext uri="{28A0092B-C50C-407E-A947-70E740481C1C}">
-                        <a14:useLocalDpi xmlns:a14="http://schemas.microsoft.com/office/drawing/2010/main" val="0"/>
-                      </a:ext>
-                    </a:extLst>
-                  </a:blip>
-                  <a:stretch>
-                    <a:fillRect/>
-                  </a:stretch>
-                </p:blipFill>
-                <p:spPr>
-                  <a:xfrm>
-                    <a:off x="10256244" y="1685692"/>
-                    <a:ext cx="762544" cy="1060809"/>
-                  </a:xfrm>
-                  <a:prstGeom prst="rect">
-                    <a:avLst/>
-                  </a:prstGeom>
-                </p:spPr>
-              </p:pic>
-              <p:pic>
-                <p:nvPicPr>
-                  <p:cNvPr id="7" name="그림 6">
-                    <a:extLst>
-                      <a:ext uri="{FF2B5EF4-FFF2-40B4-BE49-F238E27FC236}">
-                        <a16:creationId xmlns:a16="http://schemas.microsoft.com/office/drawing/2014/main" id="{7D673382-02E9-4999-B5FF-2D505222139D}"/>
-                      </a:ext>
-                    </a:extLst>
-                  </p:cNvPr>
-                  <p:cNvPicPr>
-                    <a:picLocks noChangeAspect="1"/>
-                  </p:cNvPicPr>
-                  <p:nvPr/>
-                </p:nvPicPr>
-                <p:blipFill>
-                  <a:blip r:embed="rId6" cstate="print">
-                    <a:extLst>
-                      <a:ext uri="{28A0092B-C50C-407E-A947-70E740481C1C}">
-                        <a14:useLocalDpi xmlns:a14="http://schemas.microsoft.com/office/drawing/2010/main" val="0"/>
-                      </a:ext>
-                    </a:extLst>
-                  </a:blip>
-                  <a:stretch>
-                    <a:fillRect/>
-                  </a:stretch>
-                </p:blipFill>
-                <p:spPr>
-                  <a:xfrm>
-                    <a:off x="11330157" y="1813466"/>
-                    <a:ext cx="958947" cy="805261"/>
-                  </a:xfrm>
-                  <a:prstGeom prst="rect">
-                    <a:avLst/>
-                  </a:prstGeom>
-                </p:spPr>
-              </p:pic>
-            </p:grpSp>
-            <p:sp>
-              <p:nvSpPr>
-                <p:cNvPr id="14" name="TextBox 13">
-                  <a:extLst>
-                    <a:ext uri="{FF2B5EF4-FFF2-40B4-BE49-F238E27FC236}">
-                      <a16:creationId xmlns:a16="http://schemas.microsoft.com/office/drawing/2014/main" id="{9E4F9938-6D6C-43E3-B705-0C2DEDA4E9BA}"/>
-                    </a:ext>
-                  </a:extLst>
-                </p:cNvPr>
-                <p:cNvSpPr txBox="1"/>
-                <p:nvPr/>
-              </p:nvSpPr>
-              <p:spPr>
-                <a:xfrm>
-                  <a:off x="7470191" y="4350309"/>
-                  <a:ext cx="1284326" cy="461665"/>
-                </a:xfrm>
-                <a:prstGeom prst="rect">
-                  <a:avLst/>
-                </a:prstGeom>
-                <a:solidFill>
-                  <a:schemeClr val="bg1"/>
-                </a:solidFill>
-              </p:spPr>
-              <p:txBody>
-                <a:bodyPr wrap="none" rtlCol="0" anchor="ctr">
-                  <a:spAutoFit/>
-                </a:bodyPr>
-                <a:lstStyle/>
-                <a:p>
-                  <a:r>
-                    <a:rPr lang="en-US" altLang="ko-KR" sz="2400" dirty="0">
-                      <a:latin typeface="나눔스퀘어_ac Bold" panose="020B0600000101010101" pitchFamily="50" charset="-127"/>
-                      <a:ea typeface="나눔스퀘어_ac Bold" panose="020B0600000101010101" pitchFamily="50" charset="-127"/>
-                    </a:rPr>
-                    <a:t>DevOps</a:t>
-                  </a:r>
-                  <a:endParaRPr lang="ko-KR" altLang="en-US" sz="2400" dirty="0">
-                    <a:latin typeface="나눔스퀘어_ac Bold" panose="020B0600000101010101" pitchFamily="50" charset="-127"/>
-                    <a:ea typeface="나눔스퀘어_ac Bold" panose="020B0600000101010101" pitchFamily="50" charset="-127"/>
-                  </a:endParaRPr>
-                </a:p>
-              </p:txBody>
-            </p:sp>
-          </p:grpSp>
-        </p:grpSp>
-        <p:grpSp>
-          <p:nvGrpSpPr>
-            <p:cNvPr id="35" name="그룹 34">
-              <a:extLst>
-                <a:ext uri="{FF2B5EF4-FFF2-40B4-BE49-F238E27FC236}">
-                  <a16:creationId xmlns:a16="http://schemas.microsoft.com/office/drawing/2014/main" id="{EC2BEC87-9031-4DE6-9911-D9231F437426}"/>
-                </a:ext>
-              </a:extLst>
-            </p:cNvPr>
-            <p:cNvGrpSpPr/>
-            <p:nvPr/>
-          </p:nvGrpSpPr>
-          <p:grpSpPr>
-            <a:xfrm>
-              <a:off x="697499" y="724056"/>
-              <a:ext cx="10735692" cy="1813127"/>
-              <a:chOff x="697499" y="724056"/>
-              <a:chExt cx="10735692" cy="1813127"/>
-            </a:xfrm>
-          </p:grpSpPr>
-          <p:grpSp>
-            <p:nvGrpSpPr>
-              <p:cNvPr id="31" name="그룹 30">
-                <a:extLst>
-                  <a:ext uri="{FF2B5EF4-FFF2-40B4-BE49-F238E27FC236}">
-                    <a16:creationId xmlns:a16="http://schemas.microsoft.com/office/drawing/2014/main" id="{FD9C0BCC-1C17-4826-9574-637D46A6C2D3}"/>
-                  </a:ext>
-                </a:extLst>
-              </p:cNvPr>
-              <p:cNvGrpSpPr/>
-              <p:nvPr/>
-            </p:nvGrpSpPr>
-            <p:grpSpPr>
-              <a:xfrm>
-                <a:off x="697499" y="724056"/>
-                <a:ext cx="3117251" cy="1798963"/>
-                <a:chOff x="697499" y="724056"/>
-                <a:chExt cx="3117251" cy="1798963"/>
-              </a:xfrm>
-            </p:grpSpPr>
-            <p:sp>
-              <p:nvSpPr>
-                <p:cNvPr id="21" name="직사각형 20">
-                  <a:extLst>
-                    <a:ext uri="{FF2B5EF4-FFF2-40B4-BE49-F238E27FC236}">
-                      <a16:creationId xmlns:a16="http://schemas.microsoft.com/office/drawing/2014/main" id="{218C0CF9-EAF4-45D8-9F14-B2F54542BD7D}"/>
-                    </a:ext>
-                  </a:extLst>
-                </p:cNvPr>
-                <p:cNvSpPr/>
-                <p:nvPr/>
-              </p:nvSpPr>
-              <p:spPr>
-                <a:xfrm>
-                  <a:off x="697499" y="954887"/>
-                  <a:ext cx="3117251" cy="1568132"/>
-                </a:xfrm>
-                <a:prstGeom prst="rect">
-                  <a:avLst/>
-                </a:prstGeom>
-                <a:solidFill>
-                  <a:schemeClr val="bg1"/>
-                </a:solidFill>
-                <a:ln w="28575"/>
-              </p:spPr>
-              <p:style>
-                <a:lnRef idx="2">
-                  <a:schemeClr val="accent1">
-                    <a:shade val="50000"/>
-                  </a:schemeClr>
-                </a:lnRef>
-                <a:fillRef idx="1">
-                  <a:schemeClr val="accent1"/>
-                </a:fillRef>
-                <a:effectRef idx="0">
-                  <a:schemeClr val="accent1"/>
-                </a:effectRef>
-                <a:fontRef idx="minor">
-                  <a:schemeClr val="lt1"/>
-                </a:fontRef>
-              </p:style>
-              <p:txBody>
-                <a:bodyPr rtlCol="0" anchor="ctr"/>
-                <a:lstStyle/>
-                <a:p>
-                  <a:pPr algn="ctr"/>
-                  <a:endParaRPr lang="ko-KR" altLang="en-US"/>
-                </a:p>
-              </p:txBody>
-            </p:sp>
-            <p:pic>
-              <p:nvPicPr>
-                <p:cNvPr id="4" name="Picture 4" descr="ReactJS Architecture (1 of 3): Configuring React">
-                  <a:extLst>
-                    <a:ext uri="{FF2B5EF4-FFF2-40B4-BE49-F238E27FC236}">
-                      <a16:creationId xmlns:a16="http://schemas.microsoft.com/office/drawing/2014/main" id="{13BF70EF-FBA3-4371-90DE-C12E92ABED75}"/>
-                    </a:ext>
-                  </a:extLst>
-                </p:cNvPr>
-                <p:cNvPicPr>
-                  <a:picLocks noChangeAspect="1" noChangeArrowheads="1"/>
-                </p:cNvPicPr>
-                <p:nvPr/>
-              </p:nvPicPr>
-              <p:blipFill rotWithShape="1">
-                <a:blip r:embed="rId7" cstate="print">
-                  <a:extLst>
-                    <a:ext uri="{28A0092B-C50C-407E-A947-70E740481C1C}">
-                      <a14:useLocalDpi xmlns:a14="http://schemas.microsoft.com/office/drawing/2010/main" val="0"/>
-                    </a:ext>
-                  </a:extLst>
-                </a:blip>
-                <a:srcRect l="282" t="16700" r="-282" b="15681"/>
-                <a:stretch/>
-              </p:blipFill>
-              <p:spPr bwMode="auto">
-                <a:xfrm>
-                  <a:off x="1300566" y="1401233"/>
-                  <a:ext cx="1828653" cy="710409"/>
-                </a:xfrm>
-                <a:prstGeom prst="rect">
-                  <a:avLst/>
-                </a:prstGeom>
-                <a:noFill/>
-                <a:extLst>
-                  <a:ext uri="{909E8E84-426E-40DD-AFC4-6F175D3DCCD1}">
-                    <a14:hiddenFill xmlns:a14="http://schemas.microsoft.com/office/drawing/2010/main">
-                      <a:solidFill>
-                        <a:srgbClr val="FFFFFF"/>
-                      </a:solidFill>
-                    </a14:hiddenFill>
-                  </a:ext>
-                </a:extLst>
-              </p:spPr>
-            </p:pic>
-            <p:sp>
-              <p:nvSpPr>
-                <p:cNvPr id="11" name="TextBox 10">
-                  <a:extLst>
-                    <a:ext uri="{FF2B5EF4-FFF2-40B4-BE49-F238E27FC236}">
-                      <a16:creationId xmlns:a16="http://schemas.microsoft.com/office/drawing/2014/main" id="{529C9069-D56E-4527-AF66-5C56E169582C}"/>
-                    </a:ext>
-                  </a:extLst>
-                </p:cNvPr>
-                <p:cNvSpPr txBox="1"/>
-                <p:nvPr/>
-              </p:nvSpPr>
-              <p:spPr>
-                <a:xfrm>
-                  <a:off x="1429263" y="724056"/>
-                  <a:ext cx="1653722" cy="461665"/>
-                </a:xfrm>
-                <a:prstGeom prst="rect">
-                  <a:avLst/>
-                </a:prstGeom>
-                <a:solidFill>
-                  <a:schemeClr val="bg1"/>
-                </a:solidFill>
-              </p:spPr>
-              <p:txBody>
-                <a:bodyPr wrap="none" rtlCol="0" anchor="ctr">
-                  <a:spAutoFit/>
-                </a:bodyPr>
-                <a:lstStyle/>
-                <a:p>
-                  <a:r>
-                    <a:rPr lang="en-US" altLang="ko-KR" sz="2400" dirty="0">
-                      <a:latin typeface="나눔스퀘어_ac Bold" panose="020B0600000101010101" pitchFamily="50" charset="-127"/>
-                      <a:ea typeface="나눔스퀘어_ac Bold" panose="020B0600000101010101" pitchFamily="50" charset="-127"/>
-                    </a:rPr>
-                    <a:t>Front-End</a:t>
-                  </a:r>
-                  <a:endParaRPr lang="ko-KR" altLang="en-US" sz="2400" dirty="0">
-                    <a:latin typeface="나눔스퀘어_ac Bold" panose="020B0600000101010101" pitchFamily="50" charset="-127"/>
-                    <a:ea typeface="나눔스퀘어_ac Bold" panose="020B0600000101010101" pitchFamily="50" charset="-127"/>
-                  </a:endParaRPr>
-                </a:p>
-              </p:txBody>
-            </p:sp>
-          </p:grpSp>
-          <p:grpSp>
-            <p:nvGrpSpPr>
-              <p:cNvPr id="33" name="그룹 32">
-                <a:extLst>
-                  <a:ext uri="{FF2B5EF4-FFF2-40B4-BE49-F238E27FC236}">
-                    <a16:creationId xmlns:a16="http://schemas.microsoft.com/office/drawing/2014/main" id="{D256DB9D-F57C-424A-AE11-AF9F3BD402F9}"/>
-                  </a:ext>
-                </a:extLst>
-              </p:cNvPr>
-              <p:cNvGrpSpPr/>
-              <p:nvPr/>
-            </p:nvGrpSpPr>
-            <p:grpSpPr>
-              <a:xfrm>
-                <a:off x="8315940" y="724056"/>
-                <a:ext cx="3117251" cy="1798963"/>
-                <a:chOff x="8315940" y="724056"/>
-                <a:chExt cx="3117251" cy="1798963"/>
-              </a:xfrm>
-            </p:grpSpPr>
-            <p:sp>
-              <p:nvSpPr>
-                <p:cNvPr id="25" name="직사각형 24">
-                  <a:extLst>
-                    <a:ext uri="{FF2B5EF4-FFF2-40B4-BE49-F238E27FC236}">
-                      <a16:creationId xmlns:a16="http://schemas.microsoft.com/office/drawing/2014/main" id="{102CC80F-AC02-4A61-A394-63EF6D409DBB}"/>
-                    </a:ext>
-                  </a:extLst>
-                </p:cNvPr>
-                <p:cNvSpPr/>
-                <p:nvPr/>
-              </p:nvSpPr>
-              <p:spPr>
-                <a:xfrm>
-                  <a:off x="8315940" y="954887"/>
-                  <a:ext cx="3117251" cy="1568132"/>
-                </a:xfrm>
-                <a:prstGeom prst="rect">
-                  <a:avLst/>
-                </a:prstGeom>
-                <a:solidFill>
-                  <a:schemeClr val="bg1"/>
-                </a:solidFill>
-                <a:ln w="28575"/>
-              </p:spPr>
-              <p:style>
-                <a:lnRef idx="2">
-                  <a:schemeClr val="accent1">
-                    <a:shade val="50000"/>
-                  </a:schemeClr>
-                </a:lnRef>
-                <a:fillRef idx="1">
-                  <a:schemeClr val="accent1"/>
-                </a:fillRef>
-                <a:effectRef idx="0">
-                  <a:schemeClr val="accent1"/>
-                </a:effectRef>
-                <a:fontRef idx="minor">
-                  <a:schemeClr val="lt1"/>
-                </a:fontRef>
-              </p:style>
-              <p:txBody>
-                <a:bodyPr rtlCol="0" anchor="ctr"/>
-                <a:lstStyle/>
-                <a:p>
-                  <a:pPr algn="ctr"/>
-                  <a:endParaRPr lang="ko-KR" altLang="en-US"/>
-                </a:p>
-              </p:txBody>
-            </p:sp>
-            <p:sp>
-              <p:nvSpPr>
-                <p:cNvPr id="15" name="TextBox 14">
-                  <a:extLst>
-                    <a:ext uri="{FF2B5EF4-FFF2-40B4-BE49-F238E27FC236}">
-                      <a16:creationId xmlns:a16="http://schemas.microsoft.com/office/drawing/2014/main" id="{7C29805C-F15F-40C5-9BDC-07F0F4316BB9}"/>
-                    </a:ext>
-                  </a:extLst>
-                </p:cNvPr>
-                <p:cNvSpPr txBox="1"/>
-                <p:nvPr/>
-              </p:nvSpPr>
-              <p:spPr>
-                <a:xfrm>
-                  <a:off x="9496096" y="724056"/>
-                  <a:ext cx="756938" cy="461665"/>
-                </a:xfrm>
-                <a:prstGeom prst="rect">
-                  <a:avLst/>
-                </a:prstGeom>
-                <a:solidFill>
-                  <a:schemeClr val="bg1"/>
-                </a:solidFill>
-              </p:spPr>
-              <p:txBody>
-                <a:bodyPr wrap="none" rtlCol="0" anchor="ctr">
-                  <a:spAutoFit/>
-                </a:bodyPr>
-                <a:lstStyle/>
-                <a:p>
-                  <a:r>
-                    <a:rPr lang="en-US" altLang="ko-KR" sz="2400" dirty="0">
-                      <a:latin typeface="나눔스퀘어_ac Bold" panose="020B0600000101010101" pitchFamily="50" charset="-127"/>
-                      <a:ea typeface="나눔스퀘어_ac Bold" panose="020B0600000101010101" pitchFamily="50" charset="-127"/>
-                    </a:rPr>
-                    <a:t>App</a:t>
-                  </a:r>
-                  <a:endParaRPr lang="ko-KR" altLang="en-US" sz="2400" dirty="0">
-                    <a:latin typeface="나눔스퀘어_ac Bold" panose="020B0600000101010101" pitchFamily="50" charset="-127"/>
-                    <a:ea typeface="나눔스퀘어_ac Bold" panose="020B0600000101010101" pitchFamily="50" charset="-127"/>
-                  </a:endParaRPr>
-                </a:p>
-              </p:txBody>
-            </p:sp>
-            <p:grpSp>
-              <p:nvGrpSpPr>
-                <p:cNvPr id="17" name="그룹 16">
-                  <a:extLst>
-                    <a:ext uri="{FF2B5EF4-FFF2-40B4-BE49-F238E27FC236}">
-                      <a16:creationId xmlns:a16="http://schemas.microsoft.com/office/drawing/2014/main" id="{F994434A-EECE-4073-AE98-A31A3B21FC14}"/>
-                    </a:ext>
-                  </a:extLst>
-                </p:cNvPr>
-                <p:cNvGrpSpPr/>
-                <p:nvPr/>
-              </p:nvGrpSpPr>
-              <p:grpSpPr>
-                <a:xfrm>
-                  <a:off x="8959322" y="1365379"/>
-                  <a:ext cx="1667646" cy="782117"/>
-                  <a:chOff x="3301697" y="2001069"/>
-                  <a:chExt cx="1970502" cy="924155"/>
-                </a:xfrm>
-              </p:grpSpPr>
-              <p:pic>
-                <p:nvPicPr>
-                  <p:cNvPr id="5" name="Picture 2">
-                    <a:extLst>
-                      <a:ext uri="{FF2B5EF4-FFF2-40B4-BE49-F238E27FC236}">
-                        <a16:creationId xmlns:a16="http://schemas.microsoft.com/office/drawing/2014/main" id="{BD8C865E-57D0-47EB-9D9A-60A1DFA2B6BD}"/>
-                      </a:ext>
-                    </a:extLst>
-                  </p:cNvPr>
-                  <p:cNvPicPr>
-                    <a:picLocks noChangeAspect="1" noChangeArrowheads="1"/>
-                  </p:cNvPicPr>
-                  <p:nvPr/>
-                </p:nvPicPr>
-                <p:blipFill rotWithShape="1">
-                  <a:blip r:embed="rId8" cstate="print">
-                    <a:extLst>
-                      <a:ext uri="{28A0092B-C50C-407E-A947-70E740481C1C}">
-                        <a14:useLocalDpi xmlns:a14="http://schemas.microsoft.com/office/drawing/2010/main" val="0"/>
-                      </a:ext>
-                    </a:extLst>
-                  </a:blip>
-                  <a:srcRect r="38218"/>
-                  <a:stretch/>
-                </p:blipFill>
-                <p:spPr bwMode="auto">
-                  <a:xfrm>
-                    <a:off x="3301697" y="2001069"/>
-                    <a:ext cx="1970502" cy="506103"/>
-                  </a:xfrm>
-                  <a:prstGeom prst="rect">
-                    <a:avLst/>
-                  </a:prstGeom>
-                  <a:noFill/>
-                  <a:extLst>
-                    <a:ext uri="{909E8E84-426E-40DD-AFC4-6F175D3DCCD1}">
-                      <a14:hiddenFill xmlns:a14="http://schemas.microsoft.com/office/drawing/2010/main">
-                        <a:solidFill>
-                          <a:srgbClr val="FFFFFF"/>
-                        </a:solidFill>
-                      </a14:hiddenFill>
-                    </a:ext>
-                  </a:extLst>
-                </p:spPr>
-              </p:pic>
-              <p:pic>
-                <p:nvPicPr>
-                  <p:cNvPr id="16" name="Picture 2">
-                    <a:extLst>
-                      <a:ext uri="{FF2B5EF4-FFF2-40B4-BE49-F238E27FC236}">
-                        <a16:creationId xmlns:a16="http://schemas.microsoft.com/office/drawing/2014/main" id="{A14EAEA4-37AD-4878-A84A-6B651F2E67D6}"/>
-                      </a:ext>
-                    </a:extLst>
-                  </p:cNvPr>
-                  <p:cNvPicPr>
-                    <a:picLocks noChangeAspect="1" noChangeArrowheads="1"/>
-                  </p:cNvPicPr>
-                  <p:nvPr/>
-                </p:nvPicPr>
-                <p:blipFill rotWithShape="1">
-                  <a:blip r:embed="rId8" cstate="print">
-                    <a:extLst>
-                      <a:ext uri="{28A0092B-C50C-407E-A947-70E740481C1C}">
-                        <a14:useLocalDpi xmlns:a14="http://schemas.microsoft.com/office/drawing/2010/main" val="0"/>
-                      </a:ext>
-                    </a:extLst>
-                  </a:blip>
-                  <a:srcRect l="61782" t="7570"/>
-                  <a:stretch/>
-                </p:blipFill>
-                <p:spPr bwMode="auto">
-                  <a:xfrm>
-                    <a:off x="4014740" y="2457430"/>
-                    <a:ext cx="1218959" cy="467794"/>
-                  </a:xfrm>
-                  <a:prstGeom prst="rect">
-                    <a:avLst/>
-                  </a:prstGeom>
-                  <a:noFill/>
-                  <a:extLst>
-                    <a:ext uri="{909E8E84-426E-40DD-AFC4-6F175D3DCCD1}">
-                      <a14:hiddenFill xmlns:a14="http://schemas.microsoft.com/office/drawing/2010/main">
-                        <a:solidFill>
-                          <a:srgbClr val="FFFFFF"/>
-                        </a:solidFill>
-                      </a14:hiddenFill>
-                    </a:ext>
-                  </a:extLst>
-                </p:spPr>
-              </p:pic>
-            </p:grpSp>
-          </p:grpSp>
-          <p:grpSp>
-            <p:nvGrpSpPr>
-              <p:cNvPr id="32" name="그룹 31">
-                <a:extLst>
-                  <a:ext uri="{FF2B5EF4-FFF2-40B4-BE49-F238E27FC236}">
-                    <a16:creationId xmlns:a16="http://schemas.microsoft.com/office/drawing/2014/main" id="{1E4E49F1-6F97-4853-8869-611C667EF411}"/>
-                  </a:ext>
-                </a:extLst>
-              </p:cNvPr>
-              <p:cNvGrpSpPr/>
-              <p:nvPr/>
-            </p:nvGrpSpPr>
-            <p:grpSpPr>
-              <a:xfrm>
-                <a:off x="4506719" y="738220"/>
-                <a:ext cx="3117251" cy="1798963"/>
-                <a:chOff x="4779361" y="724056"/>
-                <a:chExt cx="3117251" cy="1798963"/>
-              </a:xfrm>
-            </p:grpSpPr>
-            <p:grpSp>
-              <p:nvGrpSpPr>
-                <p:cNvPr id="26" name="그룹 25">
-                  <a:extLst>
-                    <a:ext uri="{FF2B5EF4-FFF2-40B4-BE49-F238E27FC236}">
-                      <a16:creationId xmlns:a16="http://schemas.microsoft.com/office/drawing/2014/main" id="{19E4274B-347F-4C9D-8B8B-0D8905799DA7}"/>
-                    </a:ext>
-                  </a:extLst>
-                </p:cNvPr>
-                <p:cNvGrpSpPr/>
-                <p:nvPr/>
-              </p:nvGrpSpPr>
-              <p:grpSpPr>
-                <a:xfrm>
-                  <a:off x="4779361" y="724056"/>
-                  <a:ext cx="3117251" cy="1798963"/>
-                  <a:chOff x="4779361" y="724056"/>
-                  <a:chExt cx="3117251" cy="1798963"/>
-                </a:xfrm>
-              </p:grpSpPr>
-              <p:sp>
-                <p:nvSpPr>
-                  <p:cNvPr id="24" name="직사각형 23">
-                    <a:extLst>
-                      <a:ext uri="{FF2B5EF4-FFF2-40B4-BE49-F238E27FC236}">
-                        <a16:creationId xmlns:a16="http://schemas.microsoft.com/office/drawing/2014/main" id="{D65C045D-0A6D-41DC-A98D-33D079DEA2B0}"/>
-                      </a:ext>
-                    </a:extLst>
-                  </p:cNvPr>
-                  <p:cNvSpPr/>
-                  <p:nvPr/>
-                </p:nvSpPr>
-                <p:spPr>
-                  <a:xfrm>
-                    <a:off x="4779361" y="954887"/>
-                    <a:ext cx="3117251" cy="1568132"/>
-                  </a:xfrm>
-                  <a:prstGeom prst="rect">
-                    <a:avLst/>
-                  </a:prstGeom>
-                  <a:solidFill>
-                    <a:schemeClr val="bg1"/>
-                  </a:solidFill>
-                  <a:ln w="28575"/>
-                </p:spPr>
-                <p:style>
-                  <a:lnRef idx="2">
-                    <a:schemeClr val="accent1">
-                      <a:shade val="50000"/>
-                    </a:schemeClr>
-                  </a:lnRef>
-                  <a:fillRef idx="1">
-                    <a:schemeClr val="accent1"/>
-                  </a:fillRef>
-                  <a:effectRef idx="0">
-                    <a:schemeClr val="accent1"/>
-                  </a:effectRef>
-                  <a:fontRef idx="minor">
-                    <a:schemeClr val="lt1"/>
-                  </a:fontRef>
-                </p:style>
-                <p:txBody>
-                  <a:bodyPr rtlCol="0" anchor="ctr"/>
-                  <a:lstStyle/>
-                  <a:p>
-                    <a:pPr algn="ctr"/>
-                    <a:endParaRPr lang="ko-KR" altLang="en-US"/>
-                  </a:p>
-                </p:txBody>
-              </p:sp>
-              <p:sp>
-                <p:nvSpPr>
-                  <p:cNvPr id="12" name="TextBox 11">
-                    <a:extLst>
-                      <a:ext uri="{FF2B5EF4-FFF2-40B4-BE49-F238E27FC236}">
-                        <a16:creationId xmlns:a16="http://schemas.microsoft.com/office/drawing/2014/main" id="{80381055-09AC-409F-9624-CA50BA335307}"/>
-                      </a:ext>
-                    </a:extLst>
-                  </p:cNvPr>
-                  <p:cNvSpPr txBox="1"/>
-                  <p:nvPr/>
-                </p:nvSpPr>
-                <p:spPr>
-                  <a:xfrm>
-                    <a:off x="5557163" y="724056"/>
-                    <a:ext cx="1561646" cy="461665"/>
-                  </a:xfrm>
-                  <a:prstGeom prst="rect">
-                    <a:avLst/>
-                  </a:prstGeom>
-                  <a:solidFill>
-                    <a:schemeClr val="bg1"/>
-                  </a:solidFill>
-                </p:spPr>
-                <p:txBody>
-                  <a:bodyPr wrap="none" rtlCol="0" anchor="ctr">
-                    <a:spAutoFit/>
-                  </a:bodyPr>
-                  <a:lstStyle/>
-                  <a:p>
-                    <a:r>
-                      <a:rPr lang="en-US" altLang="ko-KR" sz="2400" dirty="0">
-                        <a:latin typeface="나눔스퀘어_ac Bold" panose="020B0600000101010101" pitchFamily="50" charset="-127"/>
-                        <a:ea typeface="나눔스퀘어_ac Bold" panose="020B0600000101010101" pitchFamily="50" charset="-127"/>
-                      </a:rPr>
-                      <a:t>Back-End</a:t>
-                    </a:r>
-                    <a:endParaRPr lang="ko-KR" altLang="en-US" sz="2400" dirty="0">
-                      <a:latin typeface="나눔스퀘어_ac Bold" panose="020B0600000101010101" pitchFamily="50" charset="-127"/>
-                      <a:ea typeface="나눔스퀘어_ac Bold" panose="020B0600000101010101" pitchFamily="50" charset="-127"/>
-                    </a:endParaRPr>
-                  </a:p>
-                </p:txBody>
-              </p:sp>
-            </p:grpSp>
-            <p:pic>
-              <p:nvPicPr>
-                <p:cNvPr id="10" name="그림 9">
-                  <a:extLst>
-                    <a:ext uri="{FF2B5EF4-FFF2-40B4-BE49-F238E27FC236}">
-                      <a16:creationId xmlns:a16="http://schemas.microsoft.com/office/drawing/2014/main" id="{D1E5F3E6-FBB4-4444-A95D-5C46C0E5C18D}"/>
+                      <a16:creationId xmlns:a16="http://schemas.microsoft.com/office/drawing/2014/main" id="{B15127D6-2192-4341-86DA-97F88DBD8D43}"/>
                     </a:ext>
                   </a:extLst>
                 </p:cNvPr>
@@ -4434,15 +3567,45 @@
                 <p:nvPr/>
               </p:nvPicPr>
               <p:blipFill>
-                <a:blip r:embed="rId9"/>
+                <a:blip r:embed="rId3"/>
                 <a:stretch>
                   <a:fillRect/>
                 </a:stretch>
               </p:blipFill>
               <p:spPr>
                 <a:xfrm>
-                  <a:off x="5803272" y="1221723"/>
-                  <a:ext cx="1069428" cy="1069428"/>
+                  <a:off x="7514230" y="2370770"/>
+                  <a:ext cx="1970502" cy="548424"/>
+                </a:xfrm>
+                <a:prstGeom prst="rect">
+                  <a:avLst/>
+                </a:prstGeom>
+              </p:spPr>
+            </p:pic>
+            <p:pic>
+              <p:nvPicPr>
+                <p:cNvPr id="9" name="그림 8">
+                  <a:extLst>
+                    <a:ext uri="{FF2B5EF4-FFF2-40B4-BE49-F238E27FC236}">
+                      <a16:creationId xmlns:a16="http://schemas.microsoft.com/office/drawing/2014/main" id="{CEE0A76E-B142-49DE-8FA3-D89C3D4C39F5}"/>
+                    </a:ext>
+                  </a:extLst>
+                </p:cNvPr>
+                <p:cNvPicPr>
+                  <a:picLocks noChangeAspect="1"/>
+                </p:cNvPicPr>
+                <p:nvPr/>
+              </p:nvPicPr>
+              <p:blipFill>
+                <a:blip r:embed="rId4"/>
+                <a:stretch>
+                  <a:fillRect/>
+                </a:stretch>
+              </p:blipFill>
+              <p:spPr>
+                <a:xfrm>
+                  <a:off x="7707685" y="1757350"/>
+                  <a:ext cx="1583592" cy="493733"/>
                 </a:xfrm>
                 <a:prstGeom prst="rect">
                   <a:avLst/>
@@ -4450,7 +3613,735 @@
               </p:spPr>
             </p:pic>
           </p:grpSp>
+          <p:sp>
+            <p:nvSpPr>
+              <p:cNvPr id="13" name="TextBox 12">
+                <a:extLst>
+                  <a:ext uri="{FF2B5EF4-FFF2-40B4-BE49-F238E27FC236}">
+                    <a16:creationId xmlns:a16="http://schemas.microsoft.com/office/drawing/2014/main" id="{43AED1CE-4FB4-4053-AE7F-D5E956F6BD49}"/>
+                  </a:ext>
+                </a:extLst>
+              </p:cNvPr>
+              <p:cNvSpPr txBox="1"/>
+              <p:nvPr/>
+            </p:nvSpPr>
+            <p:spPr>
+              <a:xfrm>
+                <a:off x="3287201" y="4334981"/>
+                <a:ext cx="1055097" cy="461665"/>
+              </a:xfrm>
+              <a:prstGeom prst="rect">
+                <a:avLst/>
+              </a:prstGeom>
+              <a:solidFill>
+                <a:schemeClr val="bg1"/>
+              </a:solidFill>
+            </p:spPr>
+            <p:txBody>
+              <a:bodyPr wrap="none" rtlCol="0" anchor="ctr">
+                <a:spAutoFit/>
+              </a:bodyPr>
+              <a:lstStyle/>
+              <a:p>
+                <a:r>
+                  <a:rPr lang="ko-KR" altLang="en-US" sz="2400" dirty="0">
+                    <a:latin typeface="나눔스퀘어_ac Bold" panose="020B0600000101010101" pitchFamily="50" charset="-127"/>
+                    <a:ea typeface="나눔스퀘어_ac Bold" panose="020B0600000101010101" pitchFamily="50" charset="-127"/>
+                  </a:rPr>
+                  <a:t>협업 툴</a:t>
+                </a:r>
+              </a:p>
+            </p:txBody>
+          </p:sp>
         </p:grpSp>
+        <p:grpSp>
+          <p:nvGrpSpPr>
+            <p:cNvPr id="29" name="그룹 28">
+              <a:extLst>
+                <a:ext uri="{FF2B5EF4-FFF2-40B4-BE49-F238E27FC236}">
+                  <a16:creationId xmlns:a16="http://schemas.microsoft.com/office/drawing/2014/main" id="{583D6CF8-CF6D-47E0-9327-6E4C53F404BD}"/>
+                </a:ext>
+              </a:extLst>
+            </p:cNvPr>
+            <p:cNvGrpSpPr/>
+            <p:nvPr/>
+          </p:nvGrpSpPr>
+          <p:grpSpPr>
+            <a:xfrm>
+              <a:off x="6434022" y="3189858"/>
+              <a:ext cx="3117251" cy="1783635"/>
+              <a:chOff x="6553729" y="4350309"/>
+              <a:chExt cx="3117251" cy="1783635"/>
+            </a:xfrm>
+          </p:grpSpPr>
+          <p:sp>
+            <p:nvSpPr>
+              <p:cNvPr id="27" name="직사각형 26">
+                <a:extLst>
+                  <a:ext uri="{FF2B5EF4-FFF2-40B4-BE49-F238E27FC236}">
+                    <a16:creationId xmlns:a16="http://schemas.microsoft.com/office/drawing/2014/main" id="{856202CC-C7F1-4DF4-A3B7-EBA593B02A3B}"/>
+                  </a:ext>
+                </a:extLst>
+              </p:cNvPr>
+              <p:cNvSpPr/>
+              <p:nvPr/>
+            </p:nvSpPr>
+            <p:spPr>
+              <a:xfrm>
+                <a:off x="6553729" y="4572123"/>
+                <a:ext cx="3117251" cy="1561821"/>
+              </a:xfrm>
+              <a:prstGeom prst="rect">
+                <a:avLst/>
+              </a:prstGeom>
+              <a:solidFill>
+                <a:schemeClr val="bg1"/>
+              </a:solidFill>
+              <a:ln w="28575"/>
+            </p:spPr>
+            <p:style>
+              <a:lnRef idx="2">
+                <a:schemeClr val="accent1">
+                  <a:shade val="50000"/>
+                </a:schemeClr>
+              </a:lnRef>
+              <a:fillRef idx="1">
+                <a:schemeClr val="accent1"/>
+              </a:fillRef>
+              <a:effectRef idx="0">
+                <a:schemeClr val="accent1"/>
+              </a:effectRef>
+              <a:fontRef idx="minor">
+                <a:schemeClr val="lt1"/>
+              </a:fontRef>
+            </p:style>
+            <p:txBody>
+              <a:bodyPr rtlCol="0" anchor="ctr"/>
+              <a:lstStyle/>
+              <a:p>
+                <a:pPr algn="ctr"/>
+                <a:endParaRPr lang="ko-KR" altLang="en-US"/>
+              </a:p>
+            </p:txBody>
+          </p:sp>
+          <p:grpSp>
+            <p:nvGrpSpPr>
+              <p:cNvPr id="19" name="그룹 18">
+                <a:extLst>
+                  <a:ext uri="{FF2B5EF4-FFF2-40B4-BE49-F238E27FC236}">
+                    <a16:creationId xmlns:a16="http://schemas.microsoft.com/office/drawing/2014/main" id="{E256D780-50AF-42B6-8DD6-80FC39BF7DFF}"/>
+                  </a:ext>
+                </a:extLst>
+              </p:cNvPr>
+              <p:cNvGrpSpPr/>
+              <p:nvPr/>
+            </p:nvGrpSpPr>
+            <p:grpSpPr>
+              <a:xfrm>
+                <a:off x="7095924" y="4842304"/>
+                <a:ext cx="2032860" cy="1060809"/>
+                <a:chOff x="10256244" y="1685692"/>
+                <a:chExt cx="2032860" cy="1060809"/>
+              </a:xfrm>
+            </p:grpSpPr>
+            <p:pic>
+              <p:nvPicPr>
+                <p:cNvPr id="6" name="그림 5">
+                  <a:extLst>
+                    <a:ext uri="{FF2B5EF4-FFF2-40B4-BE49-F238E27FC236}">
+                      <a16:creationId xmlns:a16="http://schemas.microsoft.com/office/drawing/2014/main" id="{53018F5D-4FED-4519-A66C-A956FA1BC4E0}"/>
+                    </a:ext>
+                  </a:extLst>
+                </p:cNvPr>
+                <p:cNvPicPr>
+                  <a:picLocks noChangeAspect="1"/>
+                </p:cNvPicPr>
+                <p:nvPr/>
+              </p:nvPicPr>
+              <p:blipFill>
+                <a:blip r:embed="rId5">
+                  <a:extLst>
+                    <a:ext uri="{28A0092B-C50C-407E-A947-70E740481C1C}">
+                      <a14:useLocalDpi xmlns:a14="http://schemas.microsoft.com/office/drawing/2010/main" val="0"/>
+                    </a:ext>
+                  </a:extLst>
+                </a:blip>
+                <a:stretch>
+                  <a:fillRect/>
+                </a:stretch>
+              </p:blipFill>
+              <p:spPr>
+                <a:xfrm>
+                  <a:off x="10256244" y="1685692"/>
+                  <a:ext cx="762544" cy="1060809"/>
+                </a:xfrm>
+                <a:prstGeom prst="rect">
+                  <a:avLst/>
+                </a:prstGeom>
+              </p:spPr>
+            </p:pic>
+            <p:pic>
+              <p:nvPicPr>
+                <p:cNvPr id="7" name="그림 6">
+                  <a:extLst>
+                    <a:ext uri="{FF2B5EF4-FFF2-40B4-BE49-F238E27FC236}">
+                      <a16:creationId xmlns:a16="http://schemas.microsoft.com/office/drawing/2014/main" id="{7D673382-02E9-4999-B5FF-2D505222139D}"/>
+                    </a:ext>
+                  </a:extLst>
+                </p:cNvPr>
+                <p:cNvPicPr>
+                  <a:picLocks noChangeAspect="1"/>
+                </p:cNvPicPr>
+                <p:nvPr/>
+              </p:nvPicPr>
+              <p:blipFill>
+                <a:blip r:embed="rId6" cstate="print">
+                  <a:extLst>
+                    <a:ext uri="{28A0092B-C50C-407E-A947-70E740481C1C}">
+                      <a14:useLocalDpi xmlns:a14="http://schemas.microsoft.com/office/drawing/2010/main" val="0"/>
+                    </a:ext>
+                  </a:extLst>
+                </a:blip>
+                <a:stretch>
+                  <a:fillRect/>
+                </a:stretch>
+              </p:blipFill>
+              <p:spPr>
+                <a:xfrm>
+                  <a:off x="11330157" y="1813466"/>
+                  <a:ext cx="958947" cy="805261"/>
+                </a:xfrm>
+                <a:prstGeom prst="rect">
+                  <a:avLst/>
+                </a:prstGeom>
+              </p:spPr>
+            </p:pic>
+          </p:grpSp>
+          <p:sp>
+            <p:nvSpPr>
+              <p:cNvPr id="14" name="TextBox 13">
+                <a:extLst>
+                  <a:ext uri="{FF2B5EF4-FFF2-40B4-BE49-F238E27FC236}">
+                    <a16:creationId xmlns:a16="http://schemas.microsoft.com/office/drawing/2014/main" id="{9E4F9938-6D6C-43E3-B705-0C2DEDA4E9BA}"/>
+                  </a:ext>
+                </a:extLst>
+              </p:cNvPr>
+              <p:cNvSpPr txBox="1"/>
+              <p:nvPr/>
+            </p:nvSpPr>
+            <p:spPr>
+              <a:xfrm>
+                <a:off x="7470191" y="4350309"/>
+                <a:ext cx="1284326" cy="461665"/>
+              </a:xfrm>
+              <a:prstGeom prst="rect">
+                <a:avLst/>
+              </a:prstGeom>
+              <a:solidFill>
+                <a:schemeClr val="bg1"/>
+              </a:solidFill>
+            </p:spPr>
+            <p:txBody>
+              <a:bodyPr wrap="none" rtlCol="0" anchor="ctr">
+                <a:spAutoFit/>
+              </a:bodyPr>
+              <a:lstStyle/>
+              <a:p>
+                <a:r>
+                  <a:rPr lang="en-US" altLang="ko-KR" sz="2400" dirty="0">
+                    <a:latin typeface="나눔스퀘어_ac Bold" panose="020B0600000101010101" pitchFamily="50" charset="-127"/>
+                    <a:ea typeface="나눔스퀘어_ac Bold" panose="020B0600000101010101" pitchFamily="50" charset="-127"/>
+                  </a:rPr>
+                  <a:t>DevOps</a:t>
+                </a:r>
+                <a:endParaRPr lang="ko-KR" altLang="en-US" sz="2400" dirty="0">
+                  <a:latin typeface="나눔스퀘어_ac Bold" panose="020B0600000101010101" pitchFamily="50" charset="-127"/>
+                  <a:ea typeface="나눔스퀘어_ac Bold" panose="020B0600000101010101" pitchFamily="50" charset="-127"/>
+                </a:endParaRPr>
+              </a:p>
+            </p:txBody>
+          </p:sp>
+        </p:grpSp>
+      </p:grpSp>
+      <p:sp>
+        <p:nvSpPr>
+          <p:cNvPr id="21" name="직사각형 20">
+            <a:extLst>
+              <a:ext uri="{FF2B5EF4-FFF2-40B4-BE49-F238E27FC236}">
+                <a16:creationId xmlns:a16="http://schemas.microsoft.com/office/drawing/2014/main" id="{218C0CF9-EAF4-45D8-9F14-B2F54542BD7D}"/>
+              </a:ext>
+            </a:extLst>
+          </p:cNvPr>
+          <p:cNvSpPr/>
+          <p:nvPr/>
+        </p:nvSpPr>
+        <p:spPr>
+          <a:xfrm>
+            <a:off x="697499" y="954887"/>
+            <a:ext cx="3117251" cy="1568132"/>
+          </a:xfrm>
+          <a:prstGeom prst="rect">
+            <a:avLst/>
+          </a:prstGeom>
+          <a:solidFill>
+            <a:schemeClr val="bg1"/>
+          </a:solidFill>
+          <a:ln w="28575"/>
+        </p:spPr>
+        <p:style>
+          <a:lnRef idx="2">
+            <a:schemeClr val="accent1">
+              <a:shade val="50000"/>
+            </a:schemeClr>
+          </a:lnRef>
+          <a:fillRef idx="1">
+            <a:schemeClr val="accent1"/>
+          </a:fillRef>
+          <a:effectRef idx="0">
+            <a:schemeClr val="accent1"/>
+          </a:effectRef>
+          <a:fontRef idx="minor">
+            <a:schemeClr val="lt1"/>
+          </a:fontRef>
+        </p:style>
+        <p:txBody>
+          <a:bodyPr rtlCol="0" anchor="ctr"/>
+          <a:lstStyle/>
+          <a:p>
+            <a:pPr algn="ctr"/>
+            <a:endParaRPr lang="ko-KR" altLang="en-US"/>
+          </a:p>
+        </p:txBody>
+      </p:sp>
+      <p:pic>
+        <p:nvPicPr>
+          <p:cNvPr id="4" name="Picture 4" descr="ReactJS Architecture (1 of 3): Configuring React">
+            <a:extLst>
+              <a:ext uri="{FF2B5EF4-FFF2-40B4-BE49-F238E27FC236}">
+                <a16:creationId xmlns:a16="http://schemas.microsoft.com/office/drawing/2014/main" id="{13BF70EF-FBA3-4371-90DE-C12E92ABED75}"/>
+              </a:ext>
+            </a:extLst>
+          </p:cNvPr>
+          <p:cNvPicPr>
+            <a:picLocks noChangeAspect="1" noChangeArrowheads="1"/>
+          </p:cNvPicPr>
+          <p:nvPr/>
+        </p:nvPicPr>
+        <p:blipFill rotWithShape="1">
+          <a:blip r:embed="rId7" cstate="print">
+            <a:extLst>
+              <a:ext uri="{28A0092B-C50C-407E-A947-70E740481C1C}">
+                <a14:useLocalDpi xmlns:a14="http://schemas.microsoft.com/office/drawing/2010/main" val="0"/>
+              </a:ext>
+            </a:extLst>
+          </a:blip>
+          <a:srcRect l="282" t="16700" r="-282" b="15681"/>
+          <a:stretch/>
+        </p:blipFill>
+        <p:spPr bwMode="auto">
+          <a:xfrm>
+            <a:off x="1011587" y="1496870"/>
+            <a:ext cx="1528118" cy="593655"/>
+          </a:xfrm>
+          <a:prstGeom prst="rect">
+            <a:avLst/>
+          </a:prstGeom>
+          <a:noFill/>
+          <a:extLst>
+            <a:ext uri="{909E8E84-426E-40DD-AFC4-6F175D3DCCD1}">
+              <a14:hiddenFill xmlns:a14="http://schemas.microsoft.com/office/drawing/2010/main">
+                <a:solidFill>
+                  <a:srgbClr val="FFFFFF"/>
+                </a:solidFill>
+              </a14:hiddenFill>
+            </a:ext>
+          </a:extLst>
+        </p:spPr>
+      </p:pic>
+      <p:sp>
+        <p:nvSpPr>
+          <p:cNvPr id="11" name="TextBox 10">
+            <a:extLst>
+              <a:ext uri="{FF2B5EF4-FFF2-40B4-BE49-F238E27FC236}">
+                <a16:creationId xmlns:a16="http://schemas.microsoft.com/office/drawing/2014/main" id="{529C9069-D56E-4527-AF66-5C56E169582C}"/>
+              </a:ext>
+            </a:extLst>
+          </p:cNvPr>
+          <p:cNvSpPr txBox="1"/>
+          <p:nvPr/>
+        </p:nvSpPr>
+        <p:spPr>
+          <a:xfrm>
+            <a:off x="1429263" y="724056"/>
+            <a:ext cx="1653722" cy="461665"/>
+          </a:xfrm>
+          <a:prstGeom prst="rect">
+            <a:avLst/>
+          </a:prstGeom>
+          <a:solidFill>
+            <a:schemeClr val="bg1"/>
+          </a:solidFill>
+        </p:spPr>
+        <p:txBody>
+          <a:bodyPr wrap="none" rtlCol="0" anchor="ctr">
+            <a:spAutoFit/>
+          </a:bodyPr>
+          <a:lstStyle/>
+          <a:p>
+            <a:r>
+              <a:rPr lang="en-US" altLang="ko-KR" sz="2400" dirty="0">
+                <a:latin typeface="나눔스퀘어_ac Bold" panose="020B0600000101010101" pitchFamily="50" charset="-127"/>
+                <a:ea typeface="나눔스퀘어_ac Bold" panose="020B0600000101010101" pitchFamily="50" charset="-127"/>
+              </a:rPr>
+              <a:t>Front-End</a:t>
+            </a:r>
+            <a:endParaRPr lang="ko-KR" altLang="en-US" sz="2400" dirty="0">
+              <a:latin typeface="나눔스퀘어_ac Bold" panose="020B0600000101010101" pitchFamily="50" charset="-127"/>
+              <a:ea typeface="나눔스퀘어_ac Bold" panose="020B0600000101010101" pitchFamily="50" charset="-127"/>
+            </a:endParaRPr>
+          </a:p>
+        </p:txBody>
+      </p:sp>
+      <p:grpSp>
+        <p:nvGrpSpPr>
+          <p:cNvPr id="33" name="그룹 32">
+            <a:extLst>
+              <a:ext uri="{FF2B5EF4-FFF2-40B4-BE49-F238E27FC236}">
+                <a16:creationId xmlns:a16="http://schemas.microsoft.com/office/drawing/2014/main" id="{D256DB9D-F57C-424A-AE11-AF9F3BD402F9}"/>
+              </a:ext>
+            </a:extLst>
+          </p:cNvPr>
+          <p:cNvGrpSpPr/>
+          <p:nvPr/>
+        </p:nvGrpSpPr>
+        <p:grpSpPr>
+          <a:xfrm>
+            <a:off x="8315940" y="724056"/>
+            <a:ext cx="3117251" cy="1798963"/>
+            <a:chOff x="8315940" y="724056"/>
+            <a:chExt cx="3117251" cy="1798963"/>
+          </a:xfrm>
+        </p:grpSpPr>
+        <p:sp>
+          <p:nvSpPr>
+            <p:cNvPr id="25" name="직사각형 24">
+              <a:extLst>
+                <a:ext uri="{FF2B5EF4-FFF2-40B4-BE49-F238E27FC236}">
+                  <a16:creationId xmlns:a16="http://schemas.microsoft.com/office/drawing/2014/main" id="{102CC80F-AC02-4A61-A394-63EF6D409DBB}"/>
+                </a:ext>
+              </a:extLst>
+            </p:cNvPr>
+            <p:cNvSpPr/>
+            <p:nvPr/>
+          </p:nvSpPr>
+          <p:spPr>
+            <a:xfrm>
+              <a:off x="8315940" y="954887"/>
+              <a:ext cx="3117251" cy="1568132"/>
+            </a:xfrm>
+            <a:prstGeom prst="rect">
+              <a:avLst/>
+            </a:prstGeom>
+            <a:solidFill>
+              <a:schemeClr val="bg1"/>
+            </a:solidFill>
+            <a:ln w="28575"/>
+          </p:spPr>
+          <p:style>
+            <a:lnRef idx="2">
+              <a:schemeClr val="accent1">
+                <a:shade val="50000"/>
+              </a:schemeClr>
+            </a:lnRef>
+            <a:fillRef idx="1">
+              <a:schemeClr val="accent1"/>
+            </a:fillRef>
+            <a:effectRef idx="0">
+              <a:schemeClr val="accent1"/>
+            </a:effectRef>
+            <a:fontRef idx="minor">
+              <a:schemeClr val="lt1"/>
+            </a:fontRef>
+          </p:style>
+          <p:txBody>
+            <a:bodyPr rtlCol="0" anchor="ctr"/>
+            <a:lstStyle/>
+            <a:p>
+              <a:pPr algn="ctr"/>
+              <a:endParaRPr lang="ko-KR" altLang="en-US"/>
+            </a:p>
+          </p:txBody>
+        </p:sp>
+        <p:sp>
+          <p:nvSpPr>
+            <p:cNvPr id="15" name="TextBox 14">
+              <a:extLst>
+                <a:ext uri="{FF2B5EF4-FFF2-40B4-BE49-F238E27FC236}">
+                  <a16:creationId xmlns:a16="http://schemas.microsoft.com/office/drawing/2014/main" id="{7C29805C-F15F-40C5-9BDC-07F0F4316BB9}"/>
+                </a:ext>
+              </a:extLst>
+            </p:cNvPr>
+            <p:cNvSpPr txBox="1"/>
+            <p:nvPr/>
+          </p:nvSpPr>
+          <p:spPr>
+            <a:xfrm>
+              <a:off x="9496096" y="724056"/>
+              <a:ext cx="756938" cy="461665"/>
+            </a:xfrm>
+            <a:prstGeom prst="rect">
+              <a:avLst/>
+            </a:prstGeom>
+            <a:solidFill>
+              <a:schemeClr val="bg1"/>
+            </a:solidFill>
+          </p:spPr>
+          <p:txBody>
+            <a:bodyPr wrap="none" rtlCol="0" anchor="ctr">
+              <a:spAutoFit/>
+            </a:bodyPr>
+            <a:lstStyle/>
+            <a:p>
+              <a:r>
+                <a:rPr lang="en-US" altLang="ko-KR" sz="2400" dirty="0">
+                  <a:latin typeface="나눔스퀘어_ac Bold" panose="020B0600000101010101" pitchFamily="50" charset="-127"/>
+                  <a:ea typeface="나눔스퀘어_ac Bold" panose="020B0600000101010101" pitchFamily="50" charset="-127"/>
+                </a:rPr>
+                <a:t>App</a:t>
+              </a:r>
+              <a:endParaRPr lang="ko-KR" altLang="en-US" sz="2400" dirty="0">
+                <a:latin typeface="나눔스퀘어_ac Bold" panose="020B0600000101010101" pitchFamily="50" charset="-127"/>
+                <a:ea typeface="나눔스퀘어_ac Bold" panose="020B0600000101010101" pitchFamily="50" charset="-127"/>
+              </a:endParaRPr>
+            </a:p>
+          </p:txBody>
+        </p:sp>
+        <p:grpSp>
+          <p:nvGrpSpPr>
+            <p:cNvPr id="17" name="그룹 16">
+              <a:extLst>
+                <a:ext uri="{FF2B5EF4-FFF2-40B4-BE49-F238E27FC236}">
+                  <a16:creationId xmlns:a16="http://schemas.microsoft.com/office/drawing/2014/main" id="{F994434A-EECE-4073-AE98-A31A3B21FC14}"/>
+                </a:ext>
+              </a:extLst>
+            </p:cNvPr>
+            <p:cNvGrpSpPr/>
+            <p:nvPr/>
+          </p:nvGrpSpPr>
+          <p:grpSpPr>
+            <a:xfrm>
+              <a:off x="8977020" y="1405126"/>
+              <a:ext cx="1667646" cy="782118"/>
+              <a:chOff x="3322609" y="2048033"/>
+              <a:chExt cx="1970502" cy="924156"/>
+            </a:xfrm>
+          </p:grpSpPr>
+          <p:pic>
+            <p:nvPicPr>
+              <p:cNvPr id="5" name="Picture 2">
+                <a:extLst>
+                  <a:ext uri="{FF2B5EF4-FFF2-40B4-BE49-F238E27FC236}">
+                    <a16:creationId xmlns:a16="http://schemas.microsoft.com/office/drawing/2014/main" id="{BD8C865E-57D0-47EB-9D9A-60A1DFA2B6BD}"/>
+                  </a:ext>
+                </a:extLst>
+              </p:cNvPr>
+              <p:cNvPicPr>
+                <a:picLocks noChangeAspect="1" noChangeArrowheads="1"/>
+              </p:cNvPicPr>
+              <p:nvPr/>
+            </p:nvPicPr>
+            <p:blipFill rotWithShape="1">
+              <a:blip r:embed="rId8" cstate="print">
+                <a:extLst>
+                  <a:ext uri="{28A0092B-C50C-407E-A947-70E740481C1C}">
+                    <a14:useLocalDpi xmlns:a14="http://schemas.microsoft.com/office/drawing/2010/main" val="0"/>
+                  </a:ext>
+                </a:extLst>
+              </a:blip>
+              <a:srcRect r="38218"/>
+              <a:stretch/>
+            </p:blipFill>
+            <p:spPr bwMode="auto">
+              <a:xfrm>
+                <a:off x="3322609" y="2048033"/>
+                <a:ext cx="1970502" cy="506103"/>
+              </a:xfrm>
+              <a:prstGeom prst="rect">
+                <a:avLst/>
+              </a:prstGeom>
+              <a:noFill/>
+              <a:extLst>
+                <a:ext uri="{909E8E84-426E-40DD-AFC4-6F175D3DCCD1}">
+                  <a14:hiddenFill xmlns:a14="http://schemas.microsoft.com/office/drawing/2010/main">
+                    <a:solidFill>
+                      <a:srgbClr val="FFFFFF"/>
+                    </a:solidFill>
+                  </a14:hiddenFill>
+                </a:ext>
+              </a:extLst>
+            </p:spPr>
+          </p:pic>
+          <p:pic>
+            <p:nvPicPr>
+              <p:cNvPr id="16" name="Picture 2">
+                <a:extLst>
+                  <a:ext uri="{FF2B5EF4-FFF2-40B4-BE49-F238E27FC236}">
+                    <a16:creationId xmlns:a16="http://schemas.microsoft.com/office/drawing/2014/main" id="{A14EAEA4-37AD-4878-A84A-6B651F2E67D6}"/>
+                  </a:ext>
+                </a:extLst>
+              </p:cNvPr>
+              <p:cNvPicPr>
+                <a:picLocks noChangeAspect="1" noChangeArrowheads="1"/>
+              </p:cNvPicPr>
+              <p:nvPr/>
+            </p:nvPicPr>
+            <p:blipFill rotWithShape="1">
+              <a:blip r:embed="rId8" cstate="print">
+                <a:extLst>
+                  <a:ext uri="{28A0092B-C50C-407E-A947-70E740481C1C}">
+                    <a14:useLocalDpi xmlns:a14="http://schemas.microsoft.com/office/drawing/2010/main" val="0"/>
+                  </a:ext>
+                </a:extLst>
+              </a:blip>
+              <a:srcRect l="61782" t="7570"/>
+              <a:stretch/>
+            </p:blipFill>
+            <p:spPr bwMode="auto">
+              <a:xfrm>
+                <a:off x="4035652" y="2504395"/>
+                <a:ext cx="1218959" cy="467794"/>
+              </a:xfrm>
+              <a:prstGeom prst="rect">
+                <a:avLst/>
+              </a:prstGeom>
+              <a:noFill/>
+              <a:extLst>
+                <a:ext uri="{909E8E84-426E-40DD-AFC4-6F175D3DCCD1}">
+                  <a14:hiddenFill xmlns:a14="http://schemas.microsoft.com/office/drawing/2010/main">
+                    <a:solidFill>
+                      <a:srgbClr val="FFFFFF"/>
+                    </a:solidFill>
+                  </a14:hiddenFill>
+                </a:ext>
+              </a:extLst>
+            </p:spPr>
+          </p:pic>
+        </p:grpSp>
+      </p:grpSp>
+      <p:grpSp>
+        <p:nvGrpSpPr>
+          <p:cNvPr id="26" name="그룹 25">
+            <a:extLst>
+              <a:ext uri="{FF2B5EF4-FFF2-40B4-BE49-F238E27FC236}">
+                <a16:creationId xmlns:a16="http://schemas.microsoft.com/office/drawing/2014/main" id="{19E4274B-347F-4C9D-8B8B-0D8905799DA7}"/>
+              </a:ext>
+            </a:extLst>
+          </p:cNvPr>
+          <p:cNvGrpSpPr/>
+          <p:nvPr/>
+        </p:nvGrpSpPr>
+        <p:grpSpPr>
+          <a:xfrm>
+            <a:off x="4506719" y="738220"/>
+            <a:ext cx="3117251" cy="1798963"/>
+            <a:chOff x="4779361" y="724056"/>
+            <a:chExt cx="3117251" cy="1798963"/>
+          </a:xfrm>
+        </p:grpSpPr>
+        <p:sp>
+          <p:nvSpPr>
+            <p:cNvPr id="24" name="직사각형 23">
+              <a:extLst>
+                <a:ext uri="{FF2B5EF4-FFF2-40B4-BE49-F238E27FC236}">
+                  <a16:creationId xmlns:a16="http://schemas.microsoft.com/office/drawing/2014/main" id="{D65C045D-0A6D-41DC-A98D-33D079DEA2B0}"/>
+                </a:ext>
+              </a:extLst>
+            </p:cNvPr>
+            <p:cNvSpPr/>
+            <p:nvPr/>
+          </p:nvSpPr>
+          <p:spPr>
+            <a:xfrm>
+              <a:off x="4779361" y="954887"/>
+              <a:ext cx="3117251" cy="1568132"/>
+            </a:xfrm>
+            <a:prstGeom prst="rect">
+              <a:avLst/>
+            </a:prstGeom>
+            <a:solidFill>
+              <a:schemeClr val="bg1"/>
+            </a:solidFill>
+            <a:ln w="28575"/>
+          </p:spPr>
+          <p:style>
+            <a:lnRef idx="2">
+              <a:schemeClr val="accent1">
+                <a:shade val="50000"/>
+              </a:schemeClr>
+            </a:lnRef>
+            <a:fillRef idx="1">
+              <a:schemeClr val="accent1"/>
+            </a:fillRef>
+            <a:effectRef idx="0">
+              <a:schemeClr val="accent1"/>
+            </a:effectRef>
+            <a:fontRef idx="minor">
+              <a:schemeClr val="lt1"/>
+            </a:fontRef>
+          </p:style>
+          <p:txBody>
+            <a:bodyPr rtlCol="0" anchor="ctr"/>
+            <a:lstStyle/>
+            <a:p>
+              <a:pPr algn="ctr"/>
+              <a:endParaRPr lang="ko-KR" altLang="en-US"/>
+            </a:p>
+          </p:txBody>
+        </p:sp>
+        <p:sp>
+          <p:nvSpPr>
+            <p:cNvPr id="12" name="TextBox 11">
+              <a:extLst>
+                <a:ext uri="{FF2B5EF4-FFF2-40B4-BE49-F238E27FC236}">
+                  <a16:creationId xmlns:a16="http://schemas.microsoft.com/office/drawing/2014/main" id="{80381055-09AC-409F-9624-CA50BA335307}"/>
+                </a:ext>
+              </a:extLst>
+            </p:cNvPr>
+            <p:cNvSpPr txBox="1"/>
+            <p:nvPr/>
+          </p:nvSpPr>
+          <p:spPr>
+            <a:xfrm>
+              <a:off x="5557163" y="724056"/>
+              <a:ext cx="1561646" cy="461665"/>
+            </a:xfrm>
+            <a:prstGeom prst="rect">
+              <a:avLst/>
+            </a:prstGeom>
+            <a:solidFill>
+              <a:schemeClr val="bg1"/>
+            </a:solidFill>
+          </p:spPr>
+          <p:txBody>
+            <a:bodyPr wrap="none" rtlCol="0" anchor="ctr">
+              <a:spAutoFit/>
+            </a:bodyPr>
+            <a:lstStyle/>
+            <a:p>
+              <a:r>
+                <a:rPr lang="en-US" altLang="ko-KR" sz="2400" dirty="0">
+                  <a:latin typeface="나눔스퀘어_ac Bold" panose="020B0600000101010101" pitchFamily="50" charset="-127"/>
+                  <a:ea typeface="나눔스퀘어_ac Bold" panose="020B0600000101010101" pitchFamily="50" charset="-127"/>
+                </a:rPr>
+                <a:t>Back-End</a:t>
+              </a:r>
+              <a:endParaRPr lang="ko-KR" altLang="en-US" sz="2400" dirty="0">
+                <a:latin typeface="나눔스퀘어_ac Bold" panose="020B0600000101010101" pitchFamily="50" charset="-127"/>
+                <a:ea typeface="나눔스퀘어_ac Bold" panose="020B0600000101010101" pitchFamily="50" charset="-127"/>
+              </a:endParaRPr>
+            </a:p>
+          </p:txBody>
+        </p:sp>
       </p:grpSp>
       <p:sp>
         <p:nvSpPr>
@@ -4530,6 +4421,151 @@
           </a:p>
         </p:txBody>
       </p:sp>
+      <p:grpSp>
+        <p:nvGrpSpPr>
+          <p:cNvPr id="2" name="그룹 1">
+            <a:extLst>
+              <a:ext uri="{FF2B5EF4-FFF2-40B4-BE49-F238E27FC236}">
+                <a16:creationId xmlns:a16="http://schemas.microsoft.com/office/drawing/2014/main" id="{DF61CEA6-8F04-42E4-9DA6-313EF27BD11A}"/>
+              </a:ext>
+            </a:extLst>
+          </p:cNvPr>
+          <p:cNvGrpSpPr/>
+          <p:nvPr/>
+        </p:nvGrpSpPr>
+        <p:grpSpPr>
+          <a:xfrm>
+            <a:off x="4751807" y="1354047"/>
+            <a:ext cx="2686008" cy="874599"/>
+            <a:chOff x="4749807" y="1430715"/>
+            <a:chExt cx="2686008" cy="874599"/>
+          </a:xfrm>
+        </p:grpSpPr>
+        <p:pic>
+          <p:nvPicPr>
+            <p:cNvPr id="10" name="그림 9">
+              <a:extLst>
+                <a:ext uri="{FF2B5EF4-FFF2-40B4-BE49-F238E27FC236}">
+                  <a16:creationId xmlns:a16="http://schemas.microsoft.com/office/drawing/2014/main" id="{D1E5F3E6-FBB4-4444-A95D-5C46C0E5C18D}"/>
+                </a:ext>
+              </a:extLst>
+            </p:cNvPr>
+            <p:cNvPicPr>
+              <a:picLocks noChangeAspect="1"/>
+            </p:cNvPicPr>
+            <p:nvPr/>
+          </p:nvPicPr>
+          <p:blipFill>
+            <a:blip r:embed="rId9"/>
+            <a:stretch>
+              <a:fillRect/>
+            </a:stretch>
+          </p:blipFill>
+          <p:spPr>
+            <a:xfrm>
+              <a:off x="4749807" y="1430715"/>
+              <a:ext cx="874599" cy="874599"/>
+            </a:xfrm>
+            <a:prstGeom prst="rect">
+              <a:avLst/>
+            </a:prstGeom>
+          </p:spPr>
+        </p:pic>
+        <p:pic>
+          <p:nvPicPr>
+            <p:cNvPr id="1026" name="Picture 2">
+              <a:extLst>
+                <a:ext uri="{FF2B5EF4-FFF2-40B4-BE49-F238E27FC236}">
+                  <a16:creationId xmlns:a16="http://schemas.microsoft.com/office/drawing/2014/main" id="{06D66936-52C2-42DB-AE94-C47F9A167268}"/>
+                </a:ext>
+              </a:extLst>
+            </p:cNvPr>
+            <p:cNvPicPr>
+              <a:picLocks noChangeAspect="1" noChangeArrowheads="1"/>
+            </p:cNvPicPr>
+            <p:nvPr/>
+          </p:nvPicPr>
+          <p:blipFill>
+            <a:blip r:embed="rId10">
+              <a:extLst>
+                <a:ext uri="{28A0092B-C50C-407E-A947-70E740481C1C}">
+                  <a14:useLocalDpi xmlns:a14="http://schemas.microsoft.com/office/drawing/2010/main" val="0"/>
+                </a:ext>
+              </a:extLst>
+            </a:blip>
+            <a:srcRect/>
+            <a:stretch>
+              <a:fillRect/>
+            </a:stretch>
+          </p:blipFill>
+          <p:spPr bwMode="auto">
+            <a:xfrm>
+              <a:off x="5983243" y="1680995"/>
+              <a:ext cx="1452572" cy="374038"/>
+            </a:xfrm>
+            <a:prstGeom prst="rect">
+              <a:avLst/>
+            </a:prstGeom>
+            <a:noFill/>
+            <a:extLst>
+              <a:ext uri="{909E8E84-426E-40DD-AFC4-6F175D3DCCD1}">
+                <a14:hiddenFill xmlns:a14="http://schemas.microsoft.com/office/drawing/2010/main">
+                  <a:solidFill>
+                    <a:srgbClr val="FFFFFF"/>
+                  </a:solidFill>
+                </a14:hiddenFill>
+              </a:ext>
+            </a:extLst>
+          </p:spPr>
+        </p:pic>
+      </p:grpSp>
+      <p:pic>
+        <p:nvPicPr>
+          <p:cNvPr id="1028" name="Picture 4" descr="Mobx 처음 시작해보기(1). 리액트로 프로젝트를 진행하게 되면, state와 props 만으로는… | by Jo Seung Hyun  | Medium">
+            <a:extLst>
+              <a:ext uri="{FF2B5EF4-FFF2-40B4-BE49-F238E27FC236}">
+                <a16:creationId xmlns:a16="http://schemas.microsoft.com/office/drawing/2014/main" id="{6456EC5E-369D-47FE-B250-B98A2B0C98A1}"/>
+              </a:ext>
+            </a:extLst>
+          </p:cNvPr>
+          <p:cNvPicPr>
+            <a:picLocks noChangeAspect="1" noChangeArrowheads="1"/>
+          </p:cNvPicPr>
+          <p:nvPr/>
+        </p:nvPicPr>
+        <p:blipFill>
+          <a:blip r:embed="rId11">
+            <a:extLst>
+              <a:ext uri="{28A0092B-C50C-407E-A947-70E740481C1C}">
+                <a14:useLocalDpi xmlns:a14="http://schemas.microsoft.com/office/drawing/2010/main" val="0"/>
+              </a:ext>
+            </a:extLst>
+          </a:blip>
+          <a:srcRect/>
+          <a:stretch>
+            <a:fillRect/>
+          </a:stretch>
+        </p:blipFill>
+        <p:spPr bwMode="auto">
+          <a:xfrm>
+            <a:off x="2829926" y="1480466"/>
+            <a:ext cx="626462" cy="626462"/>
+          </a:xfrm>
+          <a:prstGeom prst="rect">
+            <a:avLst/>
+          </a:prstGeom>
+          <a:noFill/>
+          <a:extLst>
+            <a:ext uri="{909E8E84-426E-40DD-AFC4-6F175D3DCCD1}">
+              <a14:hiddenFill xmlns:a14="http://schemas.microsoft.com/office/drawing/2010/main">
+                <a:solidFill>
+                  <a:srgbClr val="FFFFFF"/>
+                </a:solidFill>
+              </a14:hiddenFill>
+            </a:ext>
+          </a:extLst>
+        </p:spPr>
+      </p:pic>
     </p:spTree>
     <p:extLst>
       <p:ext uri="{BB962C8B-B14F-4D97-AF65-F5344CB8AC3E}">
@@ -10956,21 +10992,6 @@
 </file>
 
 <file path=customXml/item1.xml><?xml version="1.0" encoding="utf-8"?>
-<p:properties xmlns:p="http://schemas.microsoft.com/office/2006/metadata/properties" xmlns:xsi="http://www.w3.org/2001/XMLSchema-instance" xmlns:pc="http://schemas.microsoft.com/office/infopath/2007/PartnerControls">
-  <documentManagement/>
-</p:properties>
-</file>
-
-<file path=customXml/item2.xml><?xml version="1.0" encoding="utf-8"?>
-<?mso-contentType ?>
-<FormTemplates xmlns="http://schemas.microsoft.com/sharepoint/v3/contenttype/forms">
-  <Display>DocumentLibraryForm</Display>
-  <Edit>DocumentLibraryForm</Edit>
-  <New>DocumentLibraryForm</New>
-</FormTemplates>
-</file>
-
-<file path=customXml/item3.xml><?xml version="1.0" encoding="utf-8"?>
 <ct:contentTypeSchema xmlns:ct="http://schemas.microsoft.com/office/2006/metadata/contentType" xmlns:ma="http://schemas.microsoft.com/office/2006/metadata/properties/metaAttributes" ct:_="" ma:_="" ma:contentTypeName="문서" ma:contentTypeID="0x010100F6B0BBD8CBE00340BD554DD23FCABD89" ma:contentTypeVersion="4" ma:contentTypeDescription="새 문서를 만듭니다." ma:contentTypeScope="" ma:versionID="1f42d0fc5f3edd6ccc8b04602a6316fd">
   <xsd:schema xmlns:xsd="http://www.w3.org/2001/XMLSchema" xmlns:xs="http://www.w3.org/2001/XMLSchema" xmlns:p="http://schemas.microsoft.com/office/2006/metadata/properties" xmlns:ns3="e45e7387-a6ee-4b4b-a155-550b742006d3" targetNamespace="http://schemas.microsoft.com/office/2006/metadata/properties" ma:root="true" ma:fieldsID="74397ffa37b6fac0361125cc8baa8152" ns3:_="">
     <xsd:import namespace="e45e7387-a6ee-4b4b-a155-550b742006d3"/>
@@ -11116,31 +11137,22 @@
 </ct:contentTypeSchema>
 </file>
 
-<file path=customXml/itemProps1.xml><?xml version="1.0" encoding="utf-8"?>
-<ds:datastoreItem xmlns:ds="http://schemas.openxmlformats.org/officeDocument/2006/customXml" ds:itemID="{AADC7969-3600-4068-AA2C-33256E4960E5}">
-  <ds:schemaRefs>
-    <ds:schemaRef ds:uri="http://purl.org/dc/elements/1.1/"/>
-    <ds:schemaRef ds:uri="e45e7387-a6ee-4b4b-a155-550b742006d3"/>
-    <ds:schemaRef ds:uri="http://www.w3.org/XML/1998/namespace"/>
-    <ds:schemaRef ds:uri="http://purl.org/dc/dcmitype/"/>
-    <ds:schemaRef ds:uri="http://purl.org/dc/terms/"/>
-    <ds:schemaRef ds:uri="http://schemas.microsoft.com/office/2006/documentManagement/types"/>
-    <ds:schemaRef ds:uri="http://schemas.microsoft.com/office/infopath/2007/PartnerControls"/>
-    <ds:schemaRef ds:uri="http://schemas.openxmlformats.org/package/2006/metadata/core-properties"/>
-    <ds:schemaRef ds:uri="http://schemas.microsoft.com/office/2006/metadata/properties"/>
-  </ds:schemaRefs>
-</ds:datastoreItem>
+<file path=customXml/item2.xml><?xml version="1.0" encoding="utf-8"?>
+<?mso-contentType ?>
+<FormTemplates xmlns="http://schemas.microsoft.com/sharepoint/v3/contenttype/forms">
+  <Display>DocumentLibraryForm</Display>
+  <Edit>DocumentLibraryForm</Edit>
+  <New>DocumentLibraryForm</New>
+</FormTemplates>
 </file>
 
-<file path=customXml/itemProps2.xml><?xml version="1.0" encoding="utf-8"?>
-<ds:datastoreItem xmlns:ds="http://schemas.openxmlformats.org/officeDocument/2006/customXml" ds:itemID="{5DB7BD0D-4A0A-4FAE-BAC2-77CFFF666F53}">
-  <ds:schemaRefs>
-    <ds:schemaRef ds:uri="http://schemas.microsoft.com/sharepoint/v3/contenttype/forms"/>
-  </ds:schemaRefs>
-</ds:datastoreItem>
+<file path=customXml/item3.xml><?xml version="1.0" encoding="utf-8"?>
+<p:properties xmlns:p="http://schemas.microsoft.com/office/2006/metadata/properties" xmlns:xsi="http://www.w3.org/2001/XMLSchema-instance" xmlns:pc="http://schemas.microsoft.com/office/infopath/2007/PartnerControls">
+  <documentManagement/>
+</p:properties>
 </file>
 
-<file path=customXml/itemProps3.xml><?xml version="1.0" encoding="utf-8"?>
+<file path=customXml/itemProps1.xml><?xml version="1.0" encoding="utf-8"?>
 <ds:datastoreItem xmlns:ds="http://schemas.openxmlformats.org/officeDocument/2006/customXml" ds:itemID="{038153C7-C308-45C8-81CB-B3F35FDA8E2E}">
   <ds:schemaRefs>
     <ds:schemaRef ds:uri="http://schemas.microsoft.com/office/2006/metadata/contentType"/>
@@ -11156,4 +11168,28 @@
     <ds:schemaRef ds:uri="http://schemas.microsoft.com/internal/obd"/>
   </ds:schemaRefs>
 </ds:datastoreItem>
+</file>
+
+<file path=customXml/itemProps2.xml><?xml version="1.0" encoding="utf-8"?>
+<ds:datastoreItem xmlns:ds="http://schemas.openxmlformats.org/officeDocument/2006/customXml" ds:itemID="{5DB7BD0D-4A0A-4FAE-BAC2-77CFFF666F53}">
+  <ds:schemaRefs>
+    <ds:schemaRef ds:uri="http://schemas.microsoft.com/sharepoint/v3/contenttype/forms"/>
+  </ds:schemaRefs>
+</ds:datastoreItem>
+</file>
+
+<file path=customXml/itemProps3.xml><?xml version="1.0" encoding="utf-8"?>
+<ds:datastoreItem xmlns:ds="http://schemas.openxmlformats.org/officeDocument/2006/customXml" ds:itemID="{AADC7969-3600-4068-AA2C-33256E4960E5}">
+  <ds:schemaRefs>
+    <ds:schemaRef ds:uri="http://purl.org/dc/elements/1.1/"/>
+    <ds:schemaRef ds:uri="e45e7387-a6ee-4b4b-a155-550b742006d3"/>
+    <ds:schemaRef ds:uri="http://www.w3.org/XML/1998/namespace"/>
+    <ds:schemaRef ds:uri="http://purl.org/dc/dcmitype/"/>
+    <ds:schemaRef ds:uri="http://purl.org/dc/terms/"/>
+    <ds:schemaRef ds:uri="http://schemas.microsoft.com/office/2006/documentManagement/types"/>
+    <ds:schemaRef ds:uri="http://schemas.microsoft.com/office/infopath/2007/PartnerControls"/>
+    <ds:schemaRef ds:uri="http://schemas.openxmlformats.org/package/2006/metadata/core-properties"/>
+    <ds:schemaRef ds:uri="http://schemas.microsoft.com/office/2006/metadata/properties"/>
+  </ds:schemaRefs>
+</ds:datastoreItem>
 </file>